--- a/NFL_concussion_study_Final.pptx
+++ b/NFL_concussion_study_Final.pptx
@@ -218,7 +218,7 @@
           <a:p>
             <a:fld id="{999957C2-015C-4736-866F-164FAED5DB51}" type="datetimeFigureOut">
               <a:rPr lang="en-US" smtClean="0"/>
-              <a:t>1/31/23</a:t>
+              <a:t>1/31/2023</a:t>
             </a:fld>
             <a:endParaRPr lang="en-US"/>
           </a:p>
@@ -1190,7 +1190,7 @@
           <a:p>
             <a:fld id="{48A87A34-81AB-432B-8DAE-1953F412C126}" type="datetimeFigureOut">
               <a:rPr lang="en-US" dirty="0"/>
-              <a:t>1/31/23</a:t>
+              <a:t>1/31/2023</a:t>
             </a:fld>
             <a:endParaRPr lang="en-US" dirty="0"/>
           </a:p>
@@ -1396,7 +1396,7 @@
           <a:p>
             <a:fld id="{48A87A34-81AB-432B-8DAE-1953F412C126}" type="datetimeFigureOut">
               <a:rPr lang="en-US" dirty="0"/>
-              <a:t>1/31/23</a:t>
+              <a:t>1/31/2023</a:t>
             </a:fld>
             <a:endParaRPr lang="en-US" dirty="0"/>
           </a:p>
@@ -1606,7 +1606,7 @@
           <a:p>
             <a:fld id="{48A87A34-81AB-432B-8DAE-1953F412C126}" type="datetimeFigureOut">
               <a:rPr lang="en-US" dirty="0"/>
-              <a:t>1/31/23</a:t>
+              <a:t>1/31/2023</a:t>
             </a:fld>
             <a:endParaRPr lang="en-US" dirty="0"/>
           </a:p>
@@ -5915,7 +5915,7 @@
           <a:p>
             <a:fld id="{48A87A34-81AB-432B-8DAE-1953F412C126}" type="datetimeFigureOut">
               <a:rPr lang="en-US" dirty="0"/>
-              <a:t>1/31/23</a:t>
+              <a:t>1/31/2023</a:t>
             </a:fld>
             <a:endParaRPr lang="en-US" dirty="0"/>
           </a:p>
@@ -6189,7 +6189,7 @@
           <a:p>
             <a:fld id="{48A87A34-81AB-432B-8DAE-1953F412C126}" type="datetimeFigureOut">
               <a:rPr lang="en-US" dirty="0"/>
-              <a:t>1/31/23</a:t>
+              <a:t>1/31/2023</a:t>
             </a:fld>
             <a:endParaRPr lang="en-US" dirty="0"/>
           </a:p>
@@ -6452,7 +6452,7 @@
           <a:p>
             <a:fld id="{48A87A34-81AB-432B-8DAE-1953F412C126}" type="datetimeFigureOut">
               <a:rPr lang="en-US" dirty="0"/>
-              <a:t>1/31/23</a:t>
+              <a:t>1/31/2023</a:t>
             </a:fld>
             <a:endParaRPr lang="en-US" dirty="0"/>
           </a:p>
@@ -6863,7 +6863,7 @@
           <a:p>
             <a:fld id="{48A87A34-81AB-432B-8DAE-1953F412C126}" type="datetimeFigureOut">
               <a:rPr lang="en-US" dirty="0"/>
-              <a:t>1/31/23</a:t>
+              <a:t>1/31/2023</a:t>
             </a:fld>
             <a:endParaRPr lang="en-US" dirty="0"/>
           </a:p>
@@ -7007,7 +7007,7 @@
           <a:p>
             <a:fld id="{48A87A34-81AB-432B-8DAE-1953F412C126}" type="datetimeFigureOut">
               <a:rPr lang="en-US" dirty="0"/>
-              <a:t>1/31/23</a:t>
+              <a:t>1/31/2023</a:t>
             </a:fld>
             <a:endParaRPr lang="en-US" dirty="0"/>
           </a:p>
@@ -7128,7 +7128,7 @@
           <a:p>
             <a:fld id="{48A87A34-81AB-432B-8DAE-1953F412C126}" type="datetimeFigureOut">
               <a:rPr lang="en-US" dirty="0"/>
-              <a:t>1/31/23</a:t>
+              <a:t>1/31/2023</a:t>
             </a:fld>
             <a:endParaRPr lang="en-US" dirty="0"/>
           </a:p>
@@ -7374,7 +7374,7 @@
           <a:p>
             <a:fld id="{48A87A34-81AB-432B-8DAE-1953F412C126}" type="datetimeFigureOut">
               <a:rPr lang="en-US" dirty="0"/>
-              <a:t>1/31/23</a:t>
+              <a:t>1/31/2023</a:t>
             </a:fld>
             <a:endParaRPr lang="en-US" dirty="0"/>
           </a:p>
@@ -7815,7 +7815,7 @@
             <a:fld id="{48A87A34-81AB-432B-8DAE-1953F412C126}" type="datetimeFigureOut">
               <a:rPr lang="en-US" dirty="0"/>
               <a:pPr/>
-              <a:t>1/31/23</a:t>
+              <a:t>1/31/2023</a:t>
             </a:fld>
             <a:endParaRPr lang="en-US" dirty="0"/>
           </a:p>
@@ -8138,7 +8138,7 @@
             <a:fld id="{48A87A34-81AB-432B-8DAE-1953F412C126}" type="datetimeFigureOut">
               <a:rPr lang="en-US" dirty="0"/>
               <a:pPr/>
-              <a:t>1/31/23</a:t>
+              <a:t>1/31/2023</a:t>
             </a:fld>
             <a:endParaRPr lang="en-US" dirty="0"/>
           </a:p>
@@ -9556,7 +9556,7 @@
             </a:pPr>
             <a:r>
               <a:rPr lang="en-US" sz="2400" dirty="0"/>
-              <a:t>Ha: If being an offensive or defensive player is related to the number of games missed after injury,, then there will be a difference in the mean number of games missed.</a:t>
+              <a:t>Ha: If being an offensive or defensive player is related to the number of games missed after injury, then there will be a difference in the mean number of games missed.</a:t>
             </a:r>
           </a:p>
           <a:p>
@@ -11185,7 +11185,17 @@
             </a:pPr>
             <a:r>
               <a:rPr lang="en-US" dirty="0"/>
-              <a:t>How long were players out? How did the injury affect the player’s playtime? </a:t>
+              <a:t>How long were players out? </a:t>
+            </a:r>
+          </a:p>
+          <a:p>
+            <a:pPr marL="285750" indent="-285750">
+              <a:buFont typeface="Arial" panose="020B0604020202020204" pitchFamily="34" charset="0"/>
+              <a:buChar char="•"/>
+            </a:pPr>
+            <a:r>
+              <a:rPr lang="en-US" dirty="0"/>
+              <a:t>How did the injury affect the player’s playtime? </a:t>
             </a:r>
           </a:p>
           <a:p>
@@ -11410,7 +11420,7 @@
         <p:spPr>
           <a:xfrm>
             <a:off x="312234" y="1365749"/>
-            <a:ext cx="4293220" cy="2585323"/>
+            <a:ext cx="4293220" cy="2031325"/>
           </a:xfrm>
           <a:prstGeom prst="rect">
             <a:avLst/>
@@ -11459,17 +11469,7 @@
             </a:pPr>
             <a:r>
               <a:rPr lang="en-US" dirty="0"/>
-              <a:t>Determine the number of players with head injuries </a:t>
-            </a:r>
-          </a:p>
-          <a:p>
-            <a:pPr marL="285750" indent="-285750">
-              <a:buFont typeface="Arial" panose="020B0604020202020204" pitchFamily="34" charset="0"/>
-              <a:buChar char="•"/>
-            </a:pPr>
-            <a:r>
-              <a:rPr lang="en-US" dirty="0"/>
-              <a:t>See if there was an NFL change in 2014 that decreased head injuries</a:t>
+              <a:t>Determine the number of players with multiple head injuries </a:t>
             </a:r>
           </a:p>
           <a:p>
@@ -13040,7 +13040,7 @@
             </a:r>
             <a:r>
               <a:rPr lang="en-US" dirty="0"/>
-              <a:t>: If head injuries impact a player’s ability to participate as much as concussions, then there will not be a difference in mean number of games missed</a:t>
+              <a:t>: If head injuries impact a player’s ability to participate as much as concussions, then there will not be a difference in mean number of games missed.</a:t>
             </a:r>
           </a:p>
           <a:p>
@@ -13058,7 +13058,7 @@
             </a:r>
             <a:r>
               <a:rPr lang="en-US" dirty="0"/>
-              <a:t>: If head injuries do not impact a player’s ability to participate as much as concussions, then there will be a difference in mean number of games missed</a:t>
+              <a:t>: If head injuries do not impact a player’s ability to participate as much as concussions, then there will be a difference in mean number of games missed.</a:t>
             </a:r>
           </a:p>
           <a:p>

--- a/NFL_concussion_study_Final.pptx
+++ b/NFL_concussion_study_Final.pptx
@@ -8908,41 +8908,6 @@
       </p:sp>
       <p:sp>
         <p:nvSpPr>
-          <p:cNvPr id="6" name="Slide Number Placeholder 5">
-            <a:extLst>
-              <a:ext uri="{FF2B5EF4-FFF2-40B4-BE49-F238E27FC236}">
-                <a16:creationId xmlns:a16="http://schemas.microsoft.com/office/drawing/2014/main" id="{7BC1787E-7110-4989-B0B8-DD4E0ACC09DF}"/>
-              </a:ext>
-            </a:extLst>
-          </p:cNvPr>
-          <p:cNvSpPr>
-            <a:spLocks noGrp="1"/>
-          </p:cNvSpPr>
-          <p:nvPr>
-            <p:ph type="sldNum" sz="quarter" idx="12"/>
-          </p:nvPr>
-        </p:nvSpPr>
-        <p:spPr>
-          <a:xfrm>
-            <a:off x="8610600" y="6356350"/>
-            <a:ext cx="2743200" cy="365125"/>
-          </a:xfrm>
-        </p:spPr>
-        <p:txBody>
-          <a:bodyPr/>
-          <a:lstStyle/>
-          <a:p>
-            <a:fld id="{A49DFD55-3C28-40EF-9E31-A92D2E4017FF}" type="slidenum">
-              <a:rPr lang="en-US" smtClean="0"/>
-              <a:pPr/>
-              <a:t>10</a:t>
-            </a:fld>
-            <a:endParaRPr lang="en-US" dirty="0"/>
-          </a:p>
-        </p:txBody>
-      </p:sp>
-      <p:sp>
-        <p:nvSpPr>
           <p:cNvPr id="9" name="Text Placeholder 8">
             <a:extLst>
               <a:ext uri="{FF2B5EF4-FFF2-40B4-BE49-F238E27FC236}">
@@ -9421,92 +9386,6 @@
       </p:sp>
       <p:sp>
         <p:nvSpPr>
-          <p:cNvPr id="4" name="Date Placeholder 3">
-            <a:extLst>
-              <a:ext uri="{FF2B5EF4-FFF2-40B4-BE49-F238E27FC236}">
-                <a16:creationId xmlns:a16="http://schemas.microsoft.com/office/drawing/2014/main" id="{DA53D834-F1E2-4848-8093-D412A7B081AF}"/>
-              </a:ext>
-            </a:extLst>
-          </p:cNvPr>
-          <p:cNvSpPr>
-            <a:spLocks noGrp="1"/>
-          </p:cNvSpPr>
-          <p:nvPr>
-            <p:ph type="dt" sz="half" idx="10"/>
-          </p:nvPr>
-        </p:nvSpPr>
-        <p:spPr/>
-        <p:txBody>
-          <a:bodyPr/>
-          <a:lstStyle/>
-          <a:p>
-            <a:r>
-              <a:rPr lang="en-US" dirty="0"/>
-              <a:t>20XX</a:t>
-            </a:r>
-          </a:p>
-        </p:txBody>
-      </p:sp>
-      <p:sp>
-        <p:nvSpPr>
-          <p:cNvPr id="5" name="Footer Placeholder 4">
-            <a:extLst>
-              <a:ext uri="{FF2B5EF4-FFF2-40B4-BE49-F238E27FC236}">
-                <a16:creationId xmlns:a16="http://schemas.microsoft.com/office/drawing/2014/main" id="{3555A49C-96F4-440D-B89E-A0AE94F70108}"/>
-              </a:ext>
-            </a:extLst>
-          </p:cNvPr>
-          <p:cNvSpPr>
-            <a:spLocks noGrp="1"/>
-          </p:cNvSpPr>
-          <p:nvPr>
-            <p:ph type="ftr" sz="quarter" idx="11"/>
-          </p:nvPr>
-        </p:nvSpPr>
-        <p:spPr/>
-        <p:txBody>
-          <a:bodyPr/>
-          <a:lstStyle/>
-          <a:p>
-            <a:r>
-              <a:rPr lang="en-US" dirty="0"/>
-              <a:t>PRESENTATION TITLE</a:t>
-            </a:r>
-          </a:p>
-        </p:txBody>
-      </p:sp>
-      <p:sp>
-        <p:nvSpPr>
-          <p:cNvPr id="6" name="Slide Number Placeholder 5">
-            <a:extLst>
-              <a:ext uri="{FF2B5EF4-FFF2-40B4-BE49-F238E27FC236}">
-                <a16:creationId xmlns:a16="http://schemas.microsoft.com/office/drawing/2014/main" id="{F2A39FA3-9AE3-4689-A469-B7D2DFCCC2D9}"/>
-              </a:ext>
-            </a:extLst>
-          </p:cNvPr>
-          <p:cNvSpPr>
-            <a:spLocks noGrp="1"/>
-          </p:cNvSpPr>
-          <p:nvPr>
-            <p:ph type="sldNum" sz="quarter" idx="12"/>
-          </p:nvPr>
-        </p:nvSpPr>
-        <p:spPr/>
-        <p:txBody>
-          <a:bodyPr/>
-          <a:lstStyle/>
-          <a:p>
-            <a:fld id="{A49DFD55-3C28-40EF-9E31-A92D2E4017FF}" type="slidenum">
-              <a:rPr lang="en-US" smtClean="0"/>
-              <a:pPr/>
-              <a:t>13</a:t>
-            </a:fld>
-            <a:endParaRPr lang="en-US" dirty="0"/>
-          </a:p>
-        </p:txBody>
-      </p:sp>
-      <p:sp>
-        <p:nvSpPr>
           <p:cNvPr id="11" name="TextBox 10">
             <a:extLst>
               <a:ext uri="{FF2B5EF4-FFF2-40B4-BE49-F238E27FC236}">
@@ -9917,94 +9796,6 @@
       </p:sp>
       <p:sp>
         <p:nvSpPr>
-          <p:cNvPr id="4" name="Date Placeholder 3">
-            <a:extLst>
-              <a:ext uri="{FF2B5EF4-FFF2-40B4-BE49-F238E27FC236}">
-                <a16:creationId xmlns:a16="http://schemas.microsoft.com/office/drawing/2014/main" id="{4CA7CC48-D5D5-E1C9-9458-946E09CC93A3}"/>
-              </a:ext>
-            </a:extLst>
-          </p:cNvPr>
-          <p:cNvSpPr>
-            <a:spLocks noGrp="1"/>
-          </p:cNvSpPr>
-          <p:nvPr>
-            <p:ph type="dt" sz="half" idx="10"/>
-          </p:nvPr>
-        </p:nvSpPr>
-        <p:spPr/>
-        <p:txBody>
-          <a:bodyPr/>
-          <a:lstStyle/>
-          <a:p>
-            <a:r>
-              <a:rPr lang="en-US"/>
-              <a:t>20XX</a:t>
-            </a:r>
-            <a:endParaRPr lang="en-US" dirty="0"/>
-          </a:p>
-        </p:txBody>
-      </p:sp>
-      <p:sp>
-        <p:nvSpPr>
-          <p:cNvPr id="5" name="Footer Placeholder 4">
-            <a:extLst>
-              <a:ext uri="{FF2B5EF4-FFF2-40B4-BE49-F238E27FC236}">
-                <a16:creationId xmlns:a16="http://schemas.microsoft.com/office/drawing/2014/main" id="{A79FCCAB-B1F9-EA44-7D6E-F3D47200D412}"/>
-              </a:ext>
-            </a:extLst>
-          </p:cNvPr>
-          <p:cNvSpPr>
-            <a:spLocks noGrp="1"/>
-          </p:cNvSpPr>
-          <p:nvPr>
-            <p:ph type="ftr" sz="quarter" idx="11"/>
-          </p:nvPr>
-        </p:nvSpPr>
-        <p:spPr/>
-        <p:txBody>
-          <a:bodyPr/>
-          <a:lstStyle/>
-          <a:p>
-            <a:r>
-              <a:rPr lang="en-US"/>
-              <a:t>PRESENTATION TITLE</a:t>
-            </a:r>
-            <a:endParaRPr lang="en-US" dirty="0"/>
-          </a:p>
-        </p:txBody>
-      </p:sp>
-      <p:sp>
-        <p:nvSpPr>
-          <p:cNvPr id="6" name="Slide Number Placeholder 5">
-            <a:extLst>
-              <a:ext uri="{FF2B5EF4-FFF2-40B4-BE49-F238E27FC236}">
-                <a16:creationId xmlns:a16="http://schemas.microsoft.com/office/drawing/2014/main" id="{A72F8FF9-1BD6-25F1-5DD6-38A2282DD555}"/>
-              </a:ext>
-            </a:extLst>
-          </p:cNvPr>
-          <p:cNvSpPr>
-            <a:spLocks noGrp="1"/>
-          </p:cNvSpPr>
-          <p:nvPr>
-            <p:ph type="sldNum" sz="quarter" idx="12"/>
-          </p:nvPr>
-        </p:nvSpPr>
-        <p:spPr/>
-        <p:txBody>
-          <a:bodyPr/>
-          <a:lstStyle/>
-          <a:p>
-            <a:fld id="{A49DFD55-3C28-40EF-9E31-A92D2E4017FF}" type="slidenum">
-              <a:rPr lang="en-US" smtClean="0"/>
-              <a:pPr/>
-              <a:t>15</a:t>
-            </a:fld>
-            <a:endParaRPr lang="en-US" dirty="0"/>
-          </a:p>
-        </p:txBody>
-      </p:sp>
-      <p:sp>
-        <p:nvSpPr>
           <p:cNvPr id="9" name="TextBox 8">
             <a:extLst>
               <a:ext uri="{FF2B5EF4-FFF2-40B4-BE49-F238E27FC236}">
@@ -10304,41 +10095,6 @@
               <a:rPr lang="en-US" dirty="0"/>
               <a:t>PRESENTATION TITLE</a:t>
             </a:r>
-          </a:p>
-        </p:txBody>
-      </p:sp>
-      <p:sp>
-        <p:nvSpPr>
-          <p:cNvPr id="6" name="Slide Number Placeholder 5">
-            <a:extLst>
-              <a:ext uri="{FF2B5EF4-FFF2-40B4-BE49-F238E27FC236}">
-                <a16:creationId xmlns:a16="http://schemas.microsoft.com/office/drawing/2014/main" id="{7BC1787E-7110-4989-B0B8-DD4E0ACC09DF}"/>
-              </a:ext>
-            </a:extLst>
-          </p:cNvPr>
-          <p:cNvSpPr>
-            <a:spLocks noGrp="1"/>
-          </p:cNvSpPr>
-          <p:nvPr>
-            <p:ph type="sldNum" sz="quarter" idx="12"/>
-          </p:nvPr>
-        </p:nvSpPr>
-        <p:spPr>
-          <a:xfrm>
-            <a:off x="8610600" y="6356350"/>
-            <a:ext cx="2743200" cy="365125"/>
-          </a:xfrm>
-        </p:spPr>
-        <p:txBody>
-          <a:bodyPr/>
-          <a:lstStyle/>
-          <a:p>
-            <a:fld id="{A49DFD55-3C28-40EF-9E31-A92D2E4017FF}" type="slidenum">
-              <a:rPr lang="en-US" smtClean="0"/>
-              <a:pPr/>
-              <a:t>16</a:t>
-            </a:fld>
-            <a:endParaRPr lang="en-US" dirty="0"/>
           </a:p>
         </p:txBody>
       </p:sp>
@@ -11175,7 +10931,7 @@
             </a:pPr>
             <a:r>
               <a:rPr lang="en-US" dirty="0"/>
-              <a:t>Do Head Injuries or concussions cause players to miss more games?</a:t>
+              <a:t>Do head injuries or concussions cause players to miss more games?</a:t>
             </a:r>
           </a:p>
           <a:p>
@@ -12492,41 +12248,6 @@
       </p:sp>
       <p:sp>
         <p:nvSpPr>
-          <p:cNvPr id="6" name="Slide Number Placeholder 5">
-            <a:extLst>
-              <a:ext uri="{FF2B5EF4-FFF2-40B4-BE49-F238E27FC236}">
-                <a16:creationId xmlns:a16="http://schemas.microsoft.com/office/drawing/2014/main" id="{7BC1787E-7110-4989-B0B8-DD4E0ACC09DF}"/>
-              </a:ext>
-            </a:extLst>
-          </p:cNvPr>
-          <p:cNvSpPr>
-            <a:spLocks noGrp="1"/>
-          </p:cNvSpPr>
-          <p:nvPr>
-            <p:ph type="sldNum" sz="quarter" idx="12"/>
-          </p:nvPr>
-        </p:nvSpPr>
-        <p:spPr>
-          <a:xfrm>
-            <a:off x="8610600" y="6356350"/>
-            <a:ext cx="2743200" cy="365125"/>
-          </a:xfrm>
-        </p:spPr>
-        <p:txBody>
-          <a:bodyPr/>
-          <a:lstStyle/>
-          <a:p>
-            <a:fld id="{A49DFD55-3C28-40EF-9E31-A92D2E4017FF}" type="slidenum">
-              <a:rPr lang="en-US" smtClean="0"/>
-              <a:pPr/>
-              <a:t>4</a:t>
-            </a:fld>
-            <a:endParaRPr lang="en-US" dirty="0"/>
-          </a:p>
-        </p:txBody>
-      </p:sp>
-      <p:sp>
-        <p:nvSpPr>
           <p:cNvPr id="9" name="Text Placeholder 8">
             <a:extLst>
               <a:ext uri="{FF2B5EF4-FFF2-40B4-BE49-F238E27FC236}">
@@ -12852,92 +12573,6 @@
       </p:sp>
       <p:sp>
         <p:nvSpPr>
-          <p:cNvPr id="4" name="Date Placeholder 3">
-            <a:extLst>
-              <a:ext uri="{FF2B5EF4-FFF2-40B4-BE49-F238E27FC236}">
-                <a16:creationId xmlns:a16="http://schemas.microsoft.com/office/drawing/2014/main" id="{DA53D834-F1E2-4848-8093-D412A7B081AF}"/>
-              </a:ext>
-            </a:extLst>
-          </p:cNvPr>
-          <p:cNvSpPr>
-            <a:spLocks noGrp="1"/>
-          </p:cNvSpPr>
-          <p:nvPr>
-            <p:ph type="dt" sz="half" idx="10"/>
-          </p:nvPr>
-        </p:nvSpPr>
-        <p:spPr/>
-        <p:txBody>
-          <a:bodyPr/>
-          <a:lstStyle/>
-          <a:p>
-            <a:r>
-              <a:rPr lang="en-US" dirty="0"/>
-              <a:t>20XX</a:t>
-            </a:r>
-          </a:p>
-        </p:txBody>
-      </p:sp>
-      <p:sp>
-        <p:nvSpPr>
-          <p:cNvPr id="5" name="Footer Placeholder 4">
-            <a:extLst>
-              <a:ext uri="{FF2B5EF4-FFF2-40B4-BE49-F238E27FC236}">
-                <a16:creationId xmlns:a16="http://schemas.microsoft.com/office/drawing/2014/main" id="{3555A49C-96F4-440D-B89E-A0AE94F70108}"/>
-              </a:ext>
-            </a:extLst>
-          </p:cNvPr>
-          <p:cNvSpPr>
-            <a:spLocks noGrp="1"/>
-          </p:cNvSpPr>
-          <p:nvPr>
-            <p:ph type="ftr" sz="quarter" idx="11"/>
-          </p:nvPr>
-        </p:nvSpPr>
-        <p:spPr/>
-        <p:txBody>
-          <a:bodyPr/>
-          <a:lstStyle/>
-          <a:p>
-            <a:r>
-              <a:rPr lang="en-US" dirty="0"/>
-              <a:t>PRESENTATION TITLE</a:t>
-            </a:r>
-          </a:p>
-        </p:txBody>
-      </p:sp>
-      <p:sp>
-        <p:nvSpPr>
-          <p:cNvPr id="6" name="Slide Number Placeholder 5">
-            <a:extLst>
-              <a:ext uri="{FF2B5EF4-FFF2-40B4-BE49-F238E27FC236}">
-                <a16:creationId xmlns:a16="http://schemas.microsoft.com/office/drawing/2014/main" id="{F2A39FA3-9AE3-4689-A469-B7D2DFCCC2D9}"/>
-              </a:ext>
-            </a:extLst>
-          </p:cNvPr>
-          <p:cNvSpPr>
-            <a:spLocks noGrp="1"/>
-          </p:cNvSpPr>
-          <p:nvPr>
-            <p:ph type="sldNum" sz="quarter" idx="12"/>
-          </p:nvPr>
-        </p:nvSpPr>
-        <p:spPr/>
-        <p:txBody>
-          <a:bodyPr/>
-          <a:lstStyle/>
-          <a:p>
-            <a:fld id="{A49DFD55-3C28-40EF-9E31-A92D2E4017FF}" type="slidenum">
-              <a:rPr lang="en-US" smtClean="0"/>
-              <a:pPr/>
-              <a:t>7</a:t>
-            </a:fld>
-            <a:endParaRPr lang="en-US" dirty="0"/>
-          </a:p>
-        </p:txBody>
-      </p:sp>
-      <p:sp>
-        <p:nvSpPr>
           <p:cNvPr id="8" name="Title 1">
             <a:extLst>
               <a:ext uri="{FF2B5EF4-FFF2-40B4-BE49-F238E27FC236}">
@@ -13276,92 +12911,6 @@
               <a:t>Statistically Significant </a:t>
             </a:r>
             <a:endParaRPr lang="en-US" b="1" dirty="0"/>
-          </a:p>
-        </p:txBody>
-      </p:sp>
-      <p:sp>
-        <p:nvSpPr>
-          <p:cNvPr id="4" name="Date Placeholder 3">
-            <a:extLst>
-              <a:ext uri="{FF2B5EF4-FFF2-40B4-BE49-F238E27FC236}">
-                <a16:creationId xmlns:a16="http://schemas.microsoft.com/office/drawing/2014/main" id="{DA53D834-F1E2-4848-8093-D412A7B081AF}"/>
-              </a:ext>
-            </a:extLst>
-          </p:cNvPr>
-          <p:cNvSpPr>
-            <a:spLocks noGrp="1"/>
-          </p:cNvSpPr>
-          <p:nvPr>
-            <p:ph type="dt" sz="half" idx="10"/>
-          </p:nvPr>
-        </p:nvSpPr>
-        <p:spPr/>
-        <p:txBody>
-          <a:bodyPr/>
-          <a:lstStyle/>
-          <a:p>
-            <a:r>
-              <a:rPr lang="en-US" dirty="0"/>
-              <a:t>20XX</a:t>
-            </a:r>
-          </a:p>
-        </p:txBody>
-      </p:sp>
-      <p:sp>
-        <p:nvSpPr>
-          <p:cNvPr id="5" name="Footer Placeholder 4">
-            <a:extLst>
-              <a:ext uri="{FF2B5EF4-FFF2-40B4-BE49-F238E27FC236}">
-                <a16:creationId xmlns:a16="http://schemas.microsoft.com/office/drawing/2014/main" id="{3555A49C-96F4-440D-B89E-A0AE94F70108}"/>
-              </a:ext>
-            </a:extLst>
-          </p:cNvPr>
-          <p:cNvSpPr>
-            <a:spLocks noGrp="1"/>
-          </p:cNvSpPr>
-          <p:nvPr>
-            <p:ph type="ftr" sz="quarter" idx="11"/>
-          </p:nvPr>
-        </p:nvSpPr>
-        <p:spPr/>
-        <p:txBody>
-          <a:bodyPr/>
-          <a:lstStyle/>
-          <a:p>
-            <a:r>
-              <a:rPr lang="en-US" dirty="0"/>
-              <a:t>PRESENTATION TITLE</a:t>
-            </a:r>
-          </a:p>
-        </p:txBody>
-      </p:sp>
-      <p:sp>
-        <p:nvSpPr>
-          <p:cNvPr id="6" name="Slide Number Placeholder 5">
-            <a:extLst>
-              <a:ext uri="{FF2B5EF4-FFF2-40B4-BE49-F238E27FC236}">
-                <a16:creationId xmlns:a16="http://schemas.microsoft.com/office/drawing/2014/main" id="{F2A39FA3-9AE3-4689-A469-B7D2DFCCC2D9}"/>
-              </a:ext>
-            </a:extLst>
-          </p:cNvPr>
-          <p:cNvSpPr>
-            <a:spLocks noGrp="1"/>
-          </p:cNvSpPr>
-          <p:nvPr>
-            <p:ph type="sldNum" sz="quarter" idx="12"/>
-          </p:nvPr>
-        </p:nvSpPr>
-        <p:spPr/>
-        <p:txBody>
-          <a:bodyPr/>
-          <a:lstStyle/>
-          <a:p>
-            <a:fld id="{A49DFD55-3C28-40EF-9E31-A92D2E4017FF}" type="slidenum">
-              <a:rPr lang="en-US" smtClean="0"/>
-              <a:pPr/>
-              <a:t>9</a:t>
-            </a:fld>
-            <a:endParaRPr lang="en-US" dirty="0"/>
           </a:p>
         </p:txBody>
       </p:sp>

--- a/NFL_concussion_study_Final.pptx
+++ b/NFL_concussion_study_Final.pptx
@@ -12768,10 +12768,10 @@
       </p:sp>
       <p:pic>
         <p:nvPicPr>
-          <p:cNvPr id="42" name="Picture 41">
+          <p:cNvPr id="4" name="Picture 3" descr="Chart, box and whisker chart&#10;&#10;Description automatically generated">
             <a:extLst>
               <a:ext uri="{FF2B5EF4-FFF2-40B4-BE49-F238E27FC236}">
-                <a16:creationId xmlns:a16="http://schemas.microsoft.com/office/drawing/2014/main" id="{4D789B1B-8558-BF8E-A615-095A0B24E8E6}"/>
+                <a16:creationId xmlns:a16="http://schemas.microsoft.com/office/drawing/2014/main" id="{55CE2F1F-0A32-FD5F-3A97-A8D61A1DAB95}"/>
               </a:ext>
             </a:extLst>
           </p:cNvPr>
@@ -12788,8 +12788,8 @@
         </p:blipFill>
         <p:spPr>
           <a:xfrm>
-            <a:off x="6096000" y="1031505"/>
-            <a:ext cx="5362575" cy="4314825"/>
+            <a:off x="6003902" y="948577"/>
+            <a:ext cx="5148082" cy="3959360"/>
           </a:xfrm>
           <a:prstGeom prst="rect">
             <a:avLst/>
